--- a/Phase III Presentation.pptx
+++ b/Phase III Presentation.pptx
@@ -9,8 +9,10 @@
     <p:sldId id="260" r:id="rId3"/>
     <p:sldId id="257" r:id="rId4"/>
     <p:sldId id="258" r:id="rId5"/>
-    <p:sldId id="259" r:id="rId6"/>
-    <p:sldId id="261" r:id="rId7"/>
+    <p:sldId id="262" r:id="rId6"/>
+    <p:sldId id="259" r:id="rId7"/>
+    <p:sldId id="263" r:id="rId8"/>
+    <p:sldId id="261" r:id="rId9"/>
   </p:sldIdLst>
   <p:sldSz cx="9144000" cy="6858000" type="screen4x3"/>
   <p:notesSz cx="6858000" cy="9144000"/>
@@ -285,6 +287,7 @@
           <a:p>
             <a:fld id="{10104CA6-1E68-4BD8-AB78-AD3FA4120146}" type="datetimeFigureOut">
               <a:rPr lang="en-US" smtClean="0"/>
+              <a:pPr/>
               <a:t>4/25/2011</a:t>
             </a:fld>
             <a:endParaRPr lang="en-US"/>
@@ -327,6 +330,7 @@
           <a:p>
             <a:fld id="{00B9E42C-2BBC-4D26-8124-1DFECF6C56F1}" type="slidenum">
               <a:rPr lang="en-US" smtClean="0"/>
+              <a:pPr/>
               <a:t>‹#›</a:t>
             </a:fld>
             <a:endParaRPr lang="en-US"/>
@@ -450,6 +454,7 @@
           <a:p>
             <a:fld id="{10104CA6-1E68-4BD8-AB78-AD3FA4120146}" type="datetimeFigureOut">
               <a:rPr lang="en-US" smtClean="0"/>
+              <a:pPr/>
               <a:t>4/25/2011</a:t>
             </a:fld>
             <a:endParaRPr lang="en-US"/>
@@ -492,6 +497,7 @@
           <a:p>
             <a:fld id="{00B9E42C-2BBC-4D26-8124-1DFECF6C56F1}" type="slidenum">
               <a:rPr lang="en-US" smtClean="0"/>
+              <a:pPr/>
               <a:t>‹#›</a:t>
             </a:fld>
             <a:endParaRPr lang="en-US"/>
@@ -625,6 +631,7 @@
           <a:p>
             <a:fld id="{10104CA6-1E68-4BD8-AB78-AD3FA4120146}" type="datetimeFigureOut">
               <a:rPr lang="en-US" smtClean="0"/>
+              <a:pPr/>
               <a:t>4/25/2011</a:t>
             </a:fld>
             <a:endParaRPr lang="en-US"/>
@@ -667,6 +674,7 @@
           <a:p>
             <a:fld id="{00B9E42C-2BBC-4D26-8124-1DFECF6C56F1}" type="slidenum">
               <a:rPr lang="en-US" smtClean="0"/>
+              <a:pPr/>
               <a:t>‹#›</a:t>
             </a:fld>
             <a:endParaRPr lang="en-US"/>
@@ -790,6 +798,7 @@
           <a:p>
             <a:fld id="{10104CA6-1E68-4BD8-AB78-AD3FA4120146}" type="datetimeFigureOut">
               <a:rPr lang="en-US" smtClean="0"/>
+              <a:pPr/>
               <a:t>4/25/2011</a:t>
             </a:fld>
             <a:endParaRPr lang="en-US"/>
@@ -832,6 +841,7 @@
           <a:p>
             <a:fld id="{00B9E42C-2BBC-4D26-8124-1DFECF6C56F1}" type="slidenum">
               <a:rPr lang="en-US" smtClean="0"/>
+              <a:pPr/>
               <a:t>‹#›</a:t>
             </a:fld>
             <a:endParaRPr lang="en-US"/>
@@ -1032,6 +1042,7 @@
           <a:p>
             <a:fld id="{10104CA6-1E68-4BD8-AB78-AD3FA4120146}" type="datetimeFigureOut">
               <a:rPr lang="en-US" smtClean="0"/>
+              <a:pPr/>
               <a:t>4/25/2011</a:t>
             </a:fld>
             <a:endParaRPr lang="en-US"/>
@@ -1074,6 +1085,7 @@
           <a:p>
             <a:fld id="{00B9E42C-2BBC-4D26-8124-1DFECF6C56F1}" type="slidenum">
               <a:rPr lang="en-US" smtClean="0"/>
+              <a:pPr/>
               <a:t>‹#›</a:t>
             </a:fld>
             <a:endParaRPr lang="en-US"/>
@@ -1296,6 +1308,7 @@
           <a:p>
             <a:fld id="{10104CA6-1E68-4BD8-AB78-AD3FA4120146}" type="datetimeFigureOut">
               <a:rPr lang="en-US" smtClean="0"/>
+              <a:pPr/>
               <a:t>4/25/2011</a:t>
             </a:fld>
             <a:endParaRPr lang="en-US"/>
@@ -1338,6 +1351,7 @@
           <a:p>
             <a:fld id="{00B9E42C-2BBC-4D26-8124-1DFECF6C56F1}" type="slidenum">
               <a:rPr lang="en-US" smtClean="0"/>
+              <a:pPr/>
               <a:t>‹#›</a:t>
             </a:fld>
             <a:endParaRPr lang="en-US"/>
@@ -1674,6 +1688,7 @@
           <a:p>
             <a:fld id="{10104CA6-1E68-4BD8-AB78-AD3FA4120146}" type="datetimeFigureOut">
               <a:rPr lang="en-US" smtClean="0"/>
+              <a:pPr/>
               <a:t>4/25/2011</a:t>
             </a:fld>
             <a:endParaRPr lang="en-US"/>
@@ -1716,6 +1731,7 @@
           <a:p>
             <a:fld id="{00B9E42C-2BBC-4D26-8124-1DFECF6C56F1}" type="slidenum">
               <a:rPr lang="en-US" smtClean="0"/>
+              <a:pPr/>
               <a:t>‹#›</a:t>
             </a:fld>
             <a:endParaRPr lang="en-US"/>
@@ -1824,6 +1840,7 @@
           <a:p>
             <a:fld id="{10104CA6-1E68-4BD8-AB78-AD3FA4120146}" type="datetimeFigureOut">
               <a:rPr lang="en-US" smtClean="0"/>
+              <a:pPr/>
               <a:t>4/25/2011</a:t>
             </a:fld>
             <a:endParaRPr lang="en-US"/>
@@ -1866,6 +1883,7 @@
           <a:p>
             <a:fld id="{00B9E42C-2BBC-4D26-8124-1DFECF6C56F1}" type="slidenum">
               <a:rPr lang="en-US" smtClean="0"/>
+              <a:pPr/>
               <a:t>‹#›</a:t>
             </a:fld>
             <a:endParaRPr lang="en-US"/>
@@ -1914,6 +1932,7 @@
           <a:p>
             <a:fld id="{10104CA6-1E68-4BD8-AB78-AD3FA4120146}" type="datetimeFigureOut">
               <a:rPr lang="en-US" smtClean="0"/>
+              <a:pPr/>
               <a:t>4/25/2011</a:t>
             </a:fld>
             <a:endParaRPr lang="en-US"/>
@@ -1956,6 +1975,7 @@
           <a:p>
             <a:fld id="{00B9E42C-2BBC-4D26-8124-1DFECF6C56F1}" type="slidenum">
               <a:rPr lang="en-US" smtClean="0"/>
+              <a:pPr/>
               <a:t>‹#›</a:t>
             </a:fld>
             <a:endParaRPr lang="en-US"/>
@@ -2175,6 +2195,7 @@
           <a:p>
             <a:fld id="{10104CA6-1E68-4BD8-AB78-AD3FA4120146}" type="datetimeFigureOut">
               <a:rPr lang="en-US" smtClean="0"/>
+              <a:pPr/>
               <a:t>4/25/2011</a:t>
             </a:fld>
             <a:endParaRPr lang="en-US"/>
@@ -2217,6 +2238,7 @@
           <a:p>
             <a:fld id="{00B9E42C-2BBC-4D26-8124-1DFECF6C56F1}" type="slidenum">
               <a:rPr lang="en-US" smtClean="0"/>
+              <a:pPr/>
               <a:t>‹#›</a:t>
             </a:fld>
             <a:endParaRPr lang="en-US"/>
@@ -2463,6 +2485,7 @@
           <a:p>
             <a:fld id="{10104CA6-1E68-4BD8-AB78-AD3FA4120146}" type="datetimeFigureOut">
               <a:rPr lang="en-US" smtClean="0"/>
+              <a:pPr/>
               <a:t>4/25/2011</a:t>
             </a:fld>
             <a:endParaRPr lang="en-US"/>
@@ -2510,6 +2533,7 @@
           <a:p>
             <a:fld id="{00B9E42C-2BBC-4D26-8124-1DFECF6C56F1}" type="slidenum">
               <a:rPr lang="en-US" smtClean="0"/>
+              <a:pPr/>
               <a:t>‹#›</a:t>
             </a:fld>
             <a:endParaRPr lang="en-US"/>
@@ -3234,6 +3258,7 @@
           <a:p>
             <a:fld id="{10104CA6-1E68-4BD8-AB78-AD3FA4120146}" type="datetimeFigureOut">
               <a:rPr lang="en-US" smtClean="0"/>
+              <a:pPr/>
               <a:t>4/25/2011</a:t>
             </a:fld>
             <a:endParaRPr lang="en-US"/>
@@ -3312,6 +3337,7 @@
           <a:p>
             <a:fld id="{00B9E42C-2BBC-4D26-8124-1DFECF6C56F1}" type="slidenum">
               <a:rPr lang="en-US" smtClean="0"/>
+              <a:pPr/>
               <a:t>‹#›</a:t>
             </a:fld>
             <a:endParaRPr lang="en-US"/>
@@ -3871,17 +3897,6 @@
               <a:rPr lang="en-US" dirty="0" err="1" smtClean="0"/>
               <a:t>JiTT</a:t>
             </a:r>
-            <a:r>
-              <a:rPr lang="en-US" dirty="0" smtClean="0"/>
-              <a:t/>
-            </a:r>
-            <a:br>
-              <a:rPr lang="en-US" dirty="0" smtClean="0"/>
-            </a:br>
-            <a:r>
-              <a:rPr lang="en-US" dirty="0" smtClean="0"/>
-              <a:t> Quizzes for Tomorrow</a:t>
-            </a:r>
             <a:endParaRPr lang="en-US" dirty="0"/>
           </a:p>
         </p:txBody>
@@ -3990,11 +4005,7 @@
             </a:r>
             <a:r>
               <a:rPr lang="en-US" dirty="0" smtClean="0"/>
-              <a:t> </a:t>
-            </a:r>
-            <a:r>
-              <a:rPr lang="en-US" dirty="0" smtClean="0"/>
-              <a:t>Database</a:t>
+              <a:t> Database</a:t>
             </a:r>
           </a:p>
           <a:p>
@@ -4099,13 +4110,35 @@
         </p:nvSpPr>
         <p:spPr/>
         <p:txBody>
-          <a:bodyPr/>
-          <a:lstStyle/>
-          <a:p>
-            <a:r>
-              <a:rPr lang="en-US" dirty="0" smtClean="0"/>
-              <a:t>Planned out project design</a:t>
-            </a:r>
+          <a:bodyPr>
+            <a:normAutofit/>
+          </a:bodyPr>
+          <a:lstStyle/>
+          <a:p>
+            <a:r>
+              <a:rPr lang="en-US" dirty="0" smtClean="0"/>
+              <a:t>Defined the </a:t>
+            </a:r>
+            <a:r>
+              <a:rPr lang="en-US" dirty="0" smtClean="0"/>
+              <a:t>Requirements </a:t>
+            </a:r>
+            <a:r>
+              <a:rPr lang="en-US" dirty="0" smtClean="0"/>
+              <a:t>of the </a:t>
+            </a:r>
+            <a:r>
+              <a:rPr lang="en-US" dirty="0" smtClean="0"/>
+              <a:t>Software</a:t>
+            </a:r>
+            <a:endParaRPr lang="en-US" dirty="0" smtClean="0"/>
+          </a:p>
+          <a:p>
+            <a:r>
+              <a:rPr lang="en-US" dirty="0" smtClean="0"/>
+              <a:t>Project Design</a:t>
+            </a:r>
+            <a:endParaRPr lang="en-US" dirty="0" smtClean="0"/>
           </a:p>
           <a:p>
             <a:pPr lvl="1"/>
@@ -4130,15 +4163,20 @@
           <a:p>
             <a:r>
               <a:rPr lang="en-US" dirty="0" smtClean="0"/>
-              <a:t>Management Method</a:t>
+              <a:t>Project Management </a:t>
+            </a:r>
+            <a:r>
+              <a:rPr lang="en-US" dirty="0" smtClean="0"/>
+              <a:t>Method</a:t>
             </a:r>
           </a:p>
           <a:p>
             <a:pPr lvl="1"/>
             <a:r>
               <a:rPr lang="en-US" dirty="0" smtClean="0"/>
-              <a:t>Matrix</a:t>
-            </a:r>
+              <a:t>Self-Directed Work Team</a:t>
+            </a:r>
+            <a:endParaRPr lang="en-US" dirty="0" smtClean="0"/>
           </a:p>
           <a:p>
             <a:r>
@@ -4150,7 +4188,11 @@
             <a:pPr lvl="1"/>
             <a:r>
               <a:rPr lang="en-US" dirty="0" smtClean="0"/>
-              <a:t>C++</a:t>
+              <a:t>C</a:t>
+            </a:r>
+            <a:r>
+              <a:rPr lang="en-US" dirty="0" smtClean="0"/>
+              <a:t>++</a:t>
             </a:r>
           </a:p>
         </p:txBody>
@@ -4218,7 +4260,30 @@
           <a:bodyPr/>
           <a:lstStyle/>
           <a:p>
-            <a:endParaRPr lang="en-US"/>
+            <a:r>
+              <a:rPr lang="en-US" dirty="0" smtClean="0"/>
+              <a:t>Created the Class Diagram</a:t>
+            </a:r>
+          </a:p>
+          <a:p>
+            <a:pPr lvl="1"/>
+            <a:r>
+              <a:rPr lang="en-US" dirty="0" smtClean="0"/>
+              <a:t>Decided Final Feature List</a:t>
+            </a:r>
+          </a:p>
+          <a:p>
+            <a:r>
+              <a:rPr lang="en-US" dirty="0" smtClean="0"/>
+              <a:t>Created Sequence Diagrams</a:t>
+            </a:r>
+          </a:p>
+          <a:p>
+            <a:r>
+              <a:rPr lang="en-US" dirty="0" smtClean="0"/>
+              <a:t>Divided project into Parts</a:t>
+            </a:r>
+            <a:endParaRPr lang="en-US" dirty="0"/>
           </a:p>
         </p:txBody>
       </p:sp>
@@ -4247,6 +4312,40 @@
           <a:chExt cx="0" cy="0"/>
         </a:xfrm>
       </p:grpSpPr>
+      <p:pic>
+        <p:nvPicPr>
+          <p:cNvPr id="1026" name="Picture 2"/>
+          <p:cNvPicPr>
+            <a:picLocks noGrp="1" noChangeAspect="1" noChangeArrowheads="1"/>
+          </p:cNvPicPr>
+          <p:nvPr>
+            <p:ph idx="1"/>
+          </p:nvPr>
+        </p:nvPicPr>
+        <p:blipFill>
+          <a:blip r:embed="rId2" cstate="print"/>
+          <a:srcRect/>
+          <a:stretch>
+            <a:fillRect/>
+          </a:stretch>
+        </p:blipFill>
+        <p:spPr bwMode="auto">
+          <a:xfrm>
+            <a:off x="2336316" y="533400"/>
+            <a:ext cx="6655284" cy="5943599"/>
+          </a:xfrm>
+          <a:prstGeom prst="rect">
+            <a:avLst/>
+          </a:prstGeom>
+          <a:noFill/>
+          <a:ln w="9525">
+            <a:noFill/>
+            <a:miter lim="800000"/>
+            <a:headEnd/>
+            <a:tailEnd/>
+          </a:ln>
+        </p:spPr>
+      </p:pic>
       <p:sp>
         <p:nvSpPr>
           <p:cNvPr id="2" name="Title 1"/>
@@ -4259,33 +4358,23 @@
         </p:nvSpPr>
         <p:spPr/>
         <p:txBody>
-          <a:bodyPr/>
-          <a:lstStyle/>
-          <a:p>
-            <a:r>
-              <a:rPr lang="en-US" dirty="0" smtClean="0"/>
-              <a:t>Phase III</a:t>
+          <a:bodyPr>
+            <a:normAutofit fontScale="90000"/>
+          </a:bodyPr>
+          <a:lstStyle/>
+          <a:p>
+            <a:r>
+              <a:rPr lang="en-US" dirty="0" smtClean="0"/>
+              <a:t>Phase II </a:t>
+            </a:r>
+            <a:br>
+              <a:rPr lang="en-US" dirty="0" smtClean="0"/>
+            </a:br>
+            <a:r>
+              <a:rPr lang="en-US" dirty="0" smtClean="0"/>
+              <a:t>Class Diagram</a:t>
             </a:r>
             <a:endParaRPr lang="en-US" dirty="0"/>
-          </a:p>
-        </p:txBody>
-      </p:sp>
-      <p:sp>
-        <p:nvSpPr>
-          <p:cNvPr id="3" name="Content Placeholder 2"/>
-          <p:cNvSpPr>
-            <a:spLocks noGrp="1"/>
-          </p:cNvSpPr>
-          <p:nvPr>
-            <p:ph idx="1"/>
-          </p:nvPr>
-        </p:nvSpPr>
-        <p:spPr/>
-        <p:txBody>
-          <a:bodyPr/>
-          <a:lstStyle/>
-          <a:p>
-            <a:endParaRPr lang="en-US"/>
           </a:p>
         </p:txBody>
       </p:sp>
@@ -4331,7 +4420,7 @@
           <a:p>
             <a:r>
               <a:rPr lang="en-US" dirty="0" smtClean="0"/>
-              <a:t>Conclusion</a:t>
+              <a:t>Phase III</a:t>
             </a:r>
             <a:endParaRPr lang="en-US" dirty="0"/>
           </a:p>
@@ -4352,7 +4441,257 @@
           <a:bodyPr/>
           <a:lstStyle/>
           <a:p>
-            <a:endParaRPr lang="en-US"/>
+            <a:r>
+              <a:rPr lang="en-US" dirty="0" smtClean="0"/>
+              <a:t>Threw away all material from Phase I and II</a:t>
+            </a:r>
+          </a:p>
+          <a:p>
+            <a:r>
+              <a:rPr lang="en-US" dirty="0" smtClean="0"/>
+              <a:t>Change Process Model to Extreme Programming</a:t>
+            </a:r>
+          </a:p>
+          <a:p>
+            <a:pPr lvl="1"/>
+            <a:r>
+              <a:rPr lang="en-US" dirty="0" smtClean="0"/>
+              <a:t>Used </a:t>
+            </a:r>
+            <a:r>
+              <a:rPr lang="en-US" dirty="0" err="1" smtClean="0"/>
+              <a:t>Git</a:t>
+            </a:r>
+            <a:r>
+              <a:rPr lang="en-US" dirty="0" smtClean="0"/>
+              <a:t> and </a:t>
+            </a:r>
+            <a:r>
+              <a:rPr lang="en-US" dirty="0" err="1" smtClean="0"/>
+              <a:t>GitHub</a:t>
+            </a:r>
+            <a:r>
+              <a:rPr lang="en-US" dirty="0" smtClean="0"/>
+              <a:t> to share files</a:t>
+            </a:r>
+          </a:p>
+          <a:p>
+            <a:pPr lvl="1"/>
+            <a:r>
+              <a:rPr lang="en-US" dirty="0" smtClean="0"/>
+              <a:t>Used Google Chat to communicate while working when unable to meet in the same place</a:t>
+            </a:r>
+          </a:p>
+          <a:p>
+            <a:pPr lvl="1"/>
+            <a:r>
+              <a:rPr lang="en-US" dirty="0" smtClean="0"/>
+              <a:t>Met more often and longer at times</a:t>
+            </a:r>
+          </a:p>
+          <a:p>
+            <a:r>
+              <a:rPr lang="en-US" dirty="0" smtClean="0"/>
+              <a:t>Changed Language</a:t>
+            </a:r>
+            <a:r>
+              <a:rPr lang="en-US" dirty="0"/>
+              <a:t> </a:t>
+            </a:r>
+            <a:r>
+              <a:rPr lang="en-US" dirty="0" smtClean="0"/>
+              <a:t>to C#</a:t>
+            </a:r>
+          </a:p>
+          <a:p>
+            <a:pPr lvl="1"/>
+            <a:r>
+              <a:rPr lang="en-US" dirty="0" smtClean="0"/>
+              <a:t>Rich with features that aid in quick programming</a:t>
+            </a:r>
+          </a:p>
+        </p:txBody>
+      </p:sp>
+    </p:spTree>
+  </p:cSld>
+  <p:clrMapOvr>
+    <a:masterClrMapping/>
+  </p:clrMapOvr>
+</p:sld>
+</file>
+
+<file path=ppt/slides/slide7.xml><?xml version="1.0" encoding="utf-8"?>
+<p:sld xmlns:a="http://schemas.openxmlformats.org/drawingml/2006/main" xmlns:r="http://schemas.openxmlformats.org/officeDocument/2006/relationships" xmlns:p="http://schemas.openxmlformats.org/presentationml/2006/main">
+  <p:cSld>
+    <p:spTree>
+      <p:nvGrpSpPr>
+        <p:cNvPr id="1" name=""/>
+        <p:cNvGrpSpPr/>
+        <p:nvPr/>
+      </p:nvGrpSpPr>
+      <p:grpSpPr>
+        <a:xfrm>
+          <a:off x="0" y="0"/>
+          <a:ext cx="0" cy="0"/>
+          <a:chOff x="0" y="0"/>
+          <a:chExt cx="0" cy="0"/>
+        </a:xfrm>
+      </p:grpSpPr>
+      <p:pic>
+        <p:nvPicPr>
+          <p:cNvPr id="2050" name="Picture 2"/>
+          <p:cNvPicPr>
+            <a:picLocks noGrp="1" noChangeAspect="1" noChangeArrowheads="1"/>
+          </p:cNvPicPr>
+          <p:nvPr>
+            <p:ph idx="1"/>
+          </p:nvPr>
+        </p:nvPicPr>
+        <p:blipFill>
+          <a:blip r:embed="rId2" cstate="print"/>
+          <a:srcRect/>
+          <a:stretch>
+            <a:fillRect/>
+          </a:stretch>
+        </p:blipFill>
+        <p:spPr bwMode="auto">
+          <a:xfrm>
+            <a:off x="2895600" y="302792"/>
+            <a:ext cx="6096000" cy="6349320"/>
+          </a:xfrm>
+          <a:prstGeom prst="rect">
+            <a:avLst/>
+          </a:prstGeom>
+          <a:noFill/>
+          <a:ln w="9525">
+            <a:noFill/>
+            <a:miter lim="800000"/>
+            <a:headEnd/>
+            <a:tailEnd/>
+          </a:ln>
+        </p:spPr>
+      </p:pic>
+      <p:sp>
+        <p:nvSpPr>
+          <p:cNvPr id="2" name="Title 1"/>
+          <p:cNvSpPr>
+            <a:spLocks noGrp="1"/>
+          </p:cNvSpPr>
+          <p:nvPr>
+            <p:ph type="title"/>
+          </p:nvPr>
+        </p:nvSpPr>
+        <p:spPr>
+          <a:xfrm>
+            <a:off x="228600" y="685800"/>
+            <a:ext cx="8229600" cy="1143000"/>
+          </a:xfrm>
+        </p:spPr>
+        <p:txBody>
+          <a:bodyPr>
+            <a:normAutofit fontScale="90000"/>
+          </a:bodyPr>
+          <a:lstStyle/>
+          <a:p>
+            <a:r>
+              <a:rPr lang="en-US" dirty="0" smtClean="0"/>
+              <a:t>Phase III </a:t>
+            </a:r>
+            <a:br>
+              <a:rPr lang="en-US" dirty="0" smtClean="0"/>
+            </a:br>
+            <a:r>
+              <a:rPr lang="en-US" dirty="0" smtClean="0"/>
+              <a:t>Class Diagram</a:t>
+            </a:r>
+            <a:endParaRPr lang="en-US" dirty="0"/>
+          </a:p>
+        </p:txBody>
+      </p:sp>
+    </p:spTree>
+  </p:cSld>
+  <p:clrMapOvr>
+    <a:masterClrMapping/>
+  </p:clrMapOvr>
+</p:sld>
+</file>
+
+<file path=ppt/slides/slide8.xml><?xml version="1.0" encoding="utf-8"?>
+<p:sld xmlns:a="http://schemas.openxmlformats.org/drawingml/2006/main" xmlns:r="http://schemas.openxmlformats.org/officeDocument/2006/relationships" xmlns:p="http://schemas.openxmlformats.org/presentationml/2006/main">
+  <p:cSld>
+    <p:spTree>
+      <p:nvGrpSpPr>
+        <p:cNvPr id="1" name=""/>
+        <p:cNvGrpSpPr/>
+        <p:nvPr/>
+      </p:nvGrpSpPr>
+      <p:grpSpPr>
+        <a:xfrm>
+          <a:off x="0" y="0"/>
+          <a:ext cx="0" cy="0"/>
+          <a:chOff x="0" y="0"/>
+          <a:chExt cx="0" cy="0"/>
+        </a:xfrm>
+      </p:grpSpPr>
+      <p:sp>
+        <p:nvSpPr>
+          <p:cNvPr id="2" name="Title 1"/>
+          <p:cNvSpPr>
+            <a:spLocks noGrp="1"/>
+          </p:cNvSpPr>
+          <p:nvPr>
+            <p:ph type="title"/>
+          </p:nvPr>
+        </p:nvSpPr>
+        <p:spPr/>
+        <p:txBody>
+          <a:bodyPr/>
+          <a:lstStyle/>
+          <a:p>
+            <a:r>
+              <a:rPr lang="en-US" dirty="0" smtClean="0"/>
+              <a:t>Conclusion – What We Learned</a:t>
+            </a:r>
+            <a:endParaRPr lang="en-US" dirty="0"/>
+          </a:p>
+        </p:txBody>
+      </p:sp>
+      <p:sp>
+        <p:nvSpPr>
+          <p:cNvPr id="3" name="Content Placeholder 2"/>
+          <p:cNvSpPr>
+            <a:spLocks noGrp="1"/>
+          </p:cNvSpPr>
+          <p:nvPr>
+            <p:ph idx="1"/>
+          </p:nvPr>
+        </p:nvSpPr>
+        <p:spPr/>
+        <p:txBody>
+          <a:bodyPr/>
+          <a:lstStyle/>
+          <a:p>
+            <a:r>
+              <a:rPr lang="en-US" dirty="0" smtClean="0"/>
+              <a:t>Time is the enemy</a:t>
+            </a:r>
+          </a:p>
+          <a:p>
+            <a:r>
+              <a:rPr lang="en-US" dirty="0" smtClean="0"/>
+              <a:t>Communication is paramount</a:t>
+            </a:r>
+          </a:p>
+          <a:p>
+            <a:r>
+              <a:rPr lang="en-US" dirty="0" smtClean="0"/>
+              <a:t>All for one and one </a:t>
+            </a:r>
+            <a:r>
+              <a:rPr lang="en-US" smtClean="0"/>
+              <a:t>for all</a:t>
+            </a:r>
+            <a:endParaRPr lang="en-US" dirty="0" smtClean="0"/>
           </a:p>
         </p:txBody>
       </p:sp>
